--- a/CRCフォーラム３分原稿.pptx
+++ b/CRCフォーラム３分原稿.pptx
@@ -3408,7 +3408,7 @@
         <p:spPr/>
         <p:txBody>
           <a:bodyPr>
-            <a:normAutofit fontScale="92500"/>
+            <a:normAutofit fontScale="92500" lnSpcReduction="10000"/>
           </a:bodyPr>
           <a:lstStyle/>
           <a:p>
@@ -3424,7 +3424,18 @@
           <a:p>
             <a:r>
               <a:rPr kumimoji="1" lang="ja-JP" altLang="en-US" dirty="0" smtClean="0"/>
-              <a:t>静脈認証</a:t>
+              <a:t>指紋認証</a:t>
+            </a:r>
+            <a:endParaRPr kumimoji="1" lang="en-US" altLang="ja-JP" dirty="0" smtClean="0"/>
+          </a:p>
+          <a:p>
+            <a:r>
+              <a:rPr kumimoji="1" lang="ja-JP" altLang="en-US" dirty="0" smtClean="0"/>
+              <a:t>静脈</a:t>
+            </a:r>
+            <a:r>
+              <a:rPr kumimoji="1" lang="ja-JP" altLang="en-US" dirty="0" smtClean="0"/>
+              <a:t>認証</a:t>
             </a:r>
             <a:endParaRPr kumimoji="1" lang="en-US" altLang="ja-JP" dirty="0" smtClean="0"/>
           </a:p>
@@ -3498,35 +3509,8 @@
         </p:blipFill>
         <p:spPr>
           <a:xfrm>
-            <a:off x="4150930" y="2637658"/>
-            <a:ext cx="1584231" cy="1214785"/>
-          </a:xfrm>
-          <a:prstGeom prst="rect">
-            <a:avLst/>
-          </a:prstGeom>
-          <a:ln w="12700">
-            <a:miter lim="400000"/>
-          </a:ln>
-        </p:spPr>
-      </p:pic>
-      <p:pic>
-        <p:nvPicPr>
-          <p:cNvPr id="5" name="vein_1.jpg"/>
-          <p:cNvPicPr/>
-          <p:nvPr/>
-        </p:nvPicPr>
-        <p:blipFill>
-          <a:blip r:embed="rId3">
-            <a:extLst/>
-          </a:blip>
-          <a:stretch>
-            <a:fillRect/>
-          </a:stretch>
-        </p:blipFill>
-        <p:spPr>
-          <a:xfrm rot="16200000" flipH="1">
-            <a:off x="2701090" y="2455141"/>
-            <a:ext cx="1214785" cy="1579819"/>
+            <a:off x="4674739" y="2296355"/>
+            <a:ext cx="1591590" cy="1263766"/>
           </a:xfrm>
           <a:prstGeom prst="rect">
             <a:avLst/>
@@ -3543,7 +3527,7 @@
           <p:nvPr/>
         </p:nvPicPr>
         <p:blipFill>
-          <a:blip r:embed="rId4">
+          <a:blip r:embed="rId3">
             <a:extLst/>
           </a:blip>
           <a:stretch>
@@ -3552,8 +3536,8 @@
         </p:blipFill>
         <p:spPr>
           <a:xfrm>
-            <a:off x="7104720" y="2637658"/>
-            <a:ext cx="1388326" cy="1214786"/>
+            <a:off x="6370512" y="2296355"/>
+            <a:ext cx="1489857" cy="1263766"/>
           </a:xfrm>
           <a:prstGeom prst="rect">
             <a:avLst/>
@@ -3563,33 +3547,6 @@
           </a:ln>
         </p:spPr>
       </p:pic>
-      <p:pic>
-        <p:nvPicPr>
-          <p:cNvPr id="7" name="pasted-image.png"/>
-          <p:cNvPicPr/>
-          <p:nvPr/>
-        </p:nvPicPr>
-        <p:blipFill>
-          <a:blip r:embed="rId5">
-            <a:extLst/>
-          </a:blip>
-          <a:stretch>
-            <a:fillRect/>
-          </a:stretch>
-        </p:blipFill>
-        <p:spPr>
-          <a:xfrm>
-            <a:off x="5787699" y="2637657"/>
-            <a:ext cx="1264482" cy="1214786"/>
-          </a:xfrm>
-          <a:prstGeom prst="rect">
-            <a:avLst/>
-          </a:prstGeom>
-          <a:ln w="12700">
-            <a:miter lim="400000"/>
-          </a:ln>
-        </p:spPr>
-      </p:pic>
       <p:sp>
         <p:nvSpPr>
           <p:cNvPr id="8" name="テキスト ボックス 7"/>
@@ -3598,8 +3555,8 @@
         </p:nvSpPr>
         <p:spPr>
           <a:xfrm>
-            <a:off x="5002869" y="4001294"/>
-            <a:ext cx="1569660" cy="369332"/>
+            <a:off x="5815108" y="3695057"/>
+            <a:ext cx="1949573" cy="938719"/>
           </a:xfrm>
           <a:prstGeom prst="rect">
             <a:avLst/>
@@ -3613,17 +3570,128 @@
           <a:lstStyle/>
           <a:p>
             <a:r>
-              <a:rPr lang="ja-JP" altLang="en-US" dirty="0"/>
+              <a:rPr lang="ja-JP" altLang="en-US" sz="1100" dirty="0"/>
               <a:t>生体</a:t>
             </a:r>
             <a:r>
-              <a:rPr lang="ja-JP" altLang="en-US" dirty="0" smtClean="0"/>
-              <a:t>認証の例</a:t>
-            </a:r>
-            <a:endParaRPr lang="en-US" altLang="ja-JP" dirty="0"/>
-          </a:p>
-        </p:txBody>
-      </p:sp>
+              <a:rPr lang="ja-JP" altLang="en-US" sz="1100" dirty="0" smtClean="0"/>
+              <a:t>認証の</a:t>
+            </a:r>
+            <a:r>
+              <a:rPr lang="ja-JP" altLang="en-US" sz="1100" dirty="0" smtClean="0"/>
+              <a:t>例</a:t>
+            </a:r>
+            <a:endParaRPr lang="en-US" altLang="ja-JP" sz="1100" dirty="0" smtClean="0"/>
+          </a:p>
+          <a:p>
+            <a:r>
+              <a:rPr lang="en-US" altLang="ja-JP" sz="1100" dirty="0"/>
+              <a:t>http://www.nec.co.jp/</a:t>
+            </a:r>
+          </a:p>
+          <a:p>
+            <a:r>
+              <a:rPr lang="en-US" altLang="ja-JP" sz="1100" dirty="0"/>
+              <a:t>http://www.urobot.co.jp/</a:t>
+            </a:r>
+          </a:p>
+          <a:p>
+            <a:r>
+              <a:rPr lang="en-US" altLang="ja-JP" sz="1100" dirty="0"/>
+              <a:t>http://www.express.nec.co.jp/</a:t>
+            </a:r>
+          </a:p>
+          <a:p>
+            <a:r>
+              <a:rPr lang="en-US" altLang="ja-JP" sz="1100" dirty="0"/>
+              <a:t>http://www.pcguia.pt/</a:t>
+            </a:r>
+            <a:endParaRPr lang="en-US" altLang="ja-JP" sz="1100" dirty="0"/>
+          </a:p>
+        </p:txBody>
+      </p:sp>
+      <p:pic>
+        <p:nvPicPr>
+          <p:cNvPr id="1026" name="Picture 2" descr="指紋認証システム「SecureFinger」指紋認証ユニット  PU800-01(新センサ搭載)"/>
+          <p:cNvPicPr>
+            <a:picLocks noChangeAspect="1" noChangeArrowheads="1"/>
+          </p:cNvPicPr>
+          <p:nvPr/>
+        </p:nvPicPr>
+        <p:blipFill>
+          <a:blip r:embed="rId4">
+            <a:extLst>
+              <a:ext uri="{28A0092B-C50C-407E-A947-70E740481C1C}">
+                <a14:useLocalDpi xmlns:a14="http://schemas.microsoft.com/office/drawing/2010/main" val="0"/>
+              </a:ext>
+            </a:extLst>
+          </a:blip>
+          <a:srcRect/>
+          <a:stretch>
+            <a:fillRect/>
+          </a:stretch>
+        </p:blipFill>
+        <p:spPr bwMode="auto">
+          <a:xfrm>
+            <a:off x="2721444" y="2296355"/>
+            <a:ext cx="1874930" cy="1263766"/>
+          </a:xfrm>
+          <a:prstGeom prst="rect">
+            <a:avLst/>
+          </a:prstGeom>
+          <a:noFill/>
+          <a:extLst>
+            <a:ext uri="{909E8E84-426E-40DD-AFC4-6F175D3DCCD1}">
+              <a14:hiddenFill xmlns:a14="http://schemas.microsoft.com/office/drawing/2010/main">
+                <a:solidFill>
+                  <a:srgbClr val="FFFFFF"/>
+                </a:solidFill>
+              </a14:hiddenFill>
+            </a:ext>
+          </a:extLst>
+        </p:spPr>
+      </p:pic>
+      <p:pic>
+        <p:nvPicPr>
+          <p:cNvPr id="1030" name="Picture 6" descr="http://www.express.nec.co.jp/idaten/pc/images/pic_app_neofacemonitor.jpg"/>
+          <p:cNvPicPr>
+            <a:picLocks noChangeAspect="1" noChangeArrowheads="1"/>
+          </p:cNvPicPr>
+          <p:nvPr/>
+        </p:nvPicPr>
+        <p:blipFill>
+          <a:blip r:embed="rId5">
+            <a:extLst>
+              <a:ext uri="{28A0092B-C50C-407E-A947-70E740481C1C}">
+                <a14:useLocalDpi xmlns:a14="http://schemas.microsoft.com/office/drawing/2010/main" val="0"/>
+              </a:ext>
+            </a:extLst>
+          </a:blip>
+          <a:srcRect/>
+          <a:stretch>
+            <a:fillRect/>
+          </a:stretch>
+        </p:blipFill>
+        <p:spPr bwMode="auto">
+          <a:xfrm>
+            <a:off x="2930639" y="3560121"/>
+            <a:ext cx="2780286" cy="1263766"/>
+          </a:xfrm>
+          <a:prstGeom prst="rect">
+            <a:avLst/>
+          </a:prstGeom>
+          <a:noFill/>
+          <a:extLst>
+            <a:ext uri="{909E8E84-426E-40DD-AFC4-6F175D3DCCD1}">
+              <a14:hiddenFill xmlns:a14="http://schemas.microsoft.com/office/drawing/2010/main">
+                <a:solidFill>
+                  <a:srgbClr val="FFFFFF"/>
+                </a:solidFill>
+              </a14:hiddenFill>
+            </a:ext>
+          </a:extLst>
+        </p:spPr>
+      </p:pic>
     </p:spTree>
     <p:extLst>
       <p:ext uri="{BB962C8B-B14F-4D97-AF65-F5344CB8AC3E}">
